--- a/Week 12 - Final Project and Review/Week_12_Slides.pptx
+++ b/Week 12 - Final Project and Review/Week_12_Slides.pptx
@@ -11,10 +11,11 @@
     <p:sldId id="259" r:id="rId10"/>
     <p:sldId id="260" r:id="rId11"/>
     <p:sldId id="261" r:id="rId12"/>
-    <p:sldId id="262" r:id="rId14"/>
+    <p:sldId id="262" r:id="rId13"/>
     <p:sldId id="263" r:id="rId15"/>
     <p:sldId id="264" r:id="rId16"/>
     <p:sldId id="265" r:id="rId17"/>
+    <p:sldId id="266" r:id="rId18"/>
   </p:sldIdLst>
   <p:sldSz cx="9144000" cy="6858000" type="screen4x3"/>
   <p:notesSz cx="6858000" cy="9144000"/>
@@ -3756,7 +3757,7 @@
               </a:defRPr>
             </a:pPr>
             <a:r>
-              <a:t>Summary</a:t>
+              <a:t>4. Grading Rubric</a:t>
             </a:r>
           </a:p>
         </p:txBody>
@@ -3769,7 +3770,7 @@
 </p:sld>
 </file>
 
-<file path=ppt/slides/slide2.xml><?xml version="1.0" encoding="utf-8"?>
+<file path=ppt/slides/slide11.xml><?xml version="1.0" encoding="utf-8"?>
 <p:sld xmlns:a="http://schemas.openxmlformats.org/drawingml/2006/main" xmlns:p="http://schemas.openxmlformats.org/presentationml/2006/main" xmlns:r="http://schemas.openxmlformats.org/officeDocument/2006/relationships">
   <p:cSld>
     <p:bg>
@@ -3841,7 +3842,187 @@
               </a:defRPr>
             </a:pPr>
             <a:r>
-              <a:t>1. Project Overview</a:t>
+              <a:t>Summary</a:t>
+            </a:r>
+          </a:p>
+        </p:txBody>
+      </p:sp>
+    </p:spTree>
+  </p:cSld>
+  <p:clrMapOvr>
+    <a:masterClrMapping/>
+  </p:clrMapOvr>
+</p:sld>
+</file>
+
+<file path=ppt/slides/slide2.xml><?xml version="1.0" encoding="utf-8"?>
+<p:sld xmlns:a="http://schemas.openxmlformats.org/drawingml/2006/main" xmlns:p="http://schemas.openxmlformats.org/presentationml/2006/main" xmlns:r="http://schemas.openxmlformats.org/officeDocument/2006/relationships">
+  <p:cSld>
+    <p:bg>
+      <p:bgPr>
+        <a:solidFill>
+          <a:srgbClr val="142A46"/>
+        </a:solidFill>
+        <a:effectLst/>
+      </p:bgPr>
+    </p:bg>
+    <p:spTree>
+      <p:nvGrpSpPr>
+        <p:cNvPr id="1" name=""/>
+        <p:cNvGrpSpPr/>
+        <p:nvPr/>
+      </p:nvGrpSpPr>
+      <p:grpSpPr/>
+      <p:pic>
+        <p:nvPicPr>
+          <p:cNvPr id="2" name="Picture 1" descr="ops3_logo.png"/>
+          <p:cNvPicPr>
+            <a:picLocks noChangeAspect="1"/>
+          </p:cNvPicPr>
+          <p:nvPr/>
+        </p:nvPicPr>
+        <p:blipFill>
+          <a:blip r:embed="rId2"/>
+          <a:stretch>
+            <a:fillRect/>
+          </a:stretch>
+        </p:blipFill>
+        <p:spPr>
+          <a:xfrm>
+            <a:off x="274320" y="274320"/>
+            <a:ext cx="581649" cy="548640"/>
+          </a:xfrm>
+          <a:prstGeom prst="rect">
+            <a:avLst/>
+          </a:prstGeom>
+        </p:spPr>
+      </p:pic>
+      <p:sp>
+        <p:nvSpPr>
+          <p:cNvPr id="3" name="TextBox 2"/>
+          <p:cNvSpPr txBox="1"/>
+          <p:nvPr/>
+        </p:nvSpPr>
+        <p:spPr>
+          <a:xfrm>
+            <a:off x="457200" y="914400"/>
+            <a:ext cx="8229600" cy="640080"/>
+          </a:xfrm>
+          <a:prstGeom prst="rect">
+            <a:avLst/>
+          </a:prstGeom>
+          <a:noFill/>
+        </p:spPr>
+        <p:txBody>
+          <a:bodyPr wrap="none">
+            <a:spAutoFit/>
+          </a:bodyPr>
+          <a:lstStyle/>
+          <a:p>
+            <a:pPr>
+              <a:defRPr sz="3600" b="1">
+                <a:solidFill>
+                  <a:srgbClr val="C9984A"/>
+                </a:solidFill>
+              </a:defRPr>
+            </a:pPr>
+            <a:r>
+              <a:t>What You Will Learn This Week</a:t>
+            </a:r>
+          </a:p>
+        </p:txBody>
+      </p:sp>
+      <p:sp>
+        <p:nvSpPr>
+          <p:cNvPr id="4" name="TextBox 3"/>
+          <p:cNvSpPr txBox="1"/>
+          <p:nvPr/>
+        </p:nvSpPr>
+        <p:spPr>
+          <a:xfrm>
+            <a:off x="1097280" y="2011680"/>
+            <a:ext cx="6949440" cy="4114800"/>
+          </a:xfrm>
+          <a:prstGeom prst="rect">
+            <a:avLst/>
+          </a:prstGeom>
+          <a:noFill/>
+        </p:spPr>
+        <p:txBody>
+          <a:bodyPr wrap="square">
+            <a:spAutoFit/>
+          </a:bodyPr>
+          <a:lstStyle/>
+          <a:p>
+            <a:pPr>
+              <a:spcBef>
+                <a:spcPts val="1000"/>
+              </a:spcBef>
+              <a:spcAft>
+                <a:spcPts val="1000"/>
+              </a:spcAft>
+              <a:defRPr sz="2200">
+                <a:solidFill>
+                  <a:srgbClr val="FFFFFF"/>
+                </a:solidFill>
+              </a:defRPr>
+            </a:pPr>
+            <a:r>
+              <a:t>Understand 1. project overview</a:t>
+            </a:r>
+          </a:p>
+          <a:p>
+            <a:pPr>
+              <a:spcBef>
+                <a:spcPts val="1000"/>
+              </a:spcBef>
+              <a:spcAft>
+                <a:spcPts val="1000"/>
+              </a:spcAft>
+              <a:defRPr sz="2200">
+                <a:solidFill>
+                  <a:srgbClr val="FFFFFF"/>
+                </a:solidFill>
+              </a:defRPr>
+            </a:pPr>
+            <a:r>
+              <a:t>Understand 2. requirements</a:t>
+            </a:r>
+          </a:p>
+          <a:p>
+            <a:pPr>
+              <a:spcBef>
+                <a:spcPts val="1000"/>
+              </a:spcBef>
+              <a:spcAft>
+                <a:spcPts val="1000"/>
+              </a:spcAft>
+              <a:defRPr sz="2200">
+                <a:solidFill>
+                  <a:srgbClr val="FFFFFF"/>
+                </a:solidFill>
+              </a:defRPr>
+            </a:pPr>
+            <a:r>
+              <a:t>Understand 3. submission guidelines</a:t>
+            </a:r>
+          </a:p>
+          <a:p>
+            <a:pPr>
+              <a:spcBef>
+                <a:spcPts val="1000"/>
+              </a:spcBef>
+              <a:spcAft>
+                <a:spcPts val="1000"/>
+              </a:spcAft>
+              <a:defRPr sz="2200">
+                <a:solidFill>
+                  <a:srgbClr val="FFFFFF"/>
+                </a:solidFill>
+              </a:defRPr>
+            </a:pPr>
+            <a:r>
+              <a:t>Understand 4. grading rubric</a:t>
             </a:r>
           </a:p>
         </p:txBody>
@@ -3926,7 +4107,7 @@
               </a:defRPr>
             </a:pPr>
             <a:r>
-              <a:t>2. Requirements</a:t>
+              <a:t>1. Project Overview</a:t>
             </a:r>
           </a:p>
         </p:txBody>
@@ -4011,7 +4192,7 @@
               </a:defRPr>
             </a:pPr>
             <a:r>
-              <a:t>Part A: Infrastructure (30 Marks)</a:t>
+              <a:t>2. Requirements</a:t>
             </a:r>
           </a:p>
         </p:txBody>
@@ -4096,7 +4277,7 @@
               </a:defRPr>
             </a:pPr>
             <a:r>
-              <a:t>Part B: Deployment (40 Marks)</a:t>
+              <a:t>Part A: Infrastructure (30 Marks)</a:t>
             </a:r>
           </a:p>
         </p:txBody>
@@ -4110,6 +4291,91 @@
 </file>
 
 <file path=ppt/slides/slide6.xml><?xml version="1.0" encoding="utf-8"?>
+<p:sld xmlns:a="http://schemas.openxmlformats.org/drawingml/2006/main" xmlns:p="http://schemas.openxmlformats.org/presentationml/2006/main" xmlns:r="http://schemas.openxmlformats.org/officeDocument/2006/relationships">
+  <p:cSld>
+    <p:bg>
+      <p:bgPr>
+        <a:solidFill>
+          <a:srgbClr val="1E3A5F"/>
+        </a:solidFill>
+        <a:effectLst/>
+      </p:bgPr>
+    </p:bg>
+    <p:spTree>
+      <p:nvGrpSpPr>
+        <p:cNvPr id="1" name=""/>
+        <p:cNvGrpSpPr/>
+        <p:nvPr/>
+      </p:nvGrpSpPr>
+      <p:grpSpPr/>
+      <p:pic>
+        <p:nvPicPr>
+          <p:cNvPr id="2" name="Picture 1" descr="ops3_logo.png"/>
+          <p:cNvPicPr>
+            <a:picLocks noChangeAspect="1"/>
+          </p:cNvPicPr>
+          <p:nvPr/>
+        </p:nvPicPr>
+        <p:blipFill>
+          <a:blip r:embed="rId2"/>
+          <a:stretch>
+            <a:fillRect/>
+          </a:stretch>
+        </p:blipFill>
+        <p:spPr>
+          <a:xfrm>
+            <a:off x="274320" y="274320"/>
+            <a:ext cx="581649" cy="548640"/>
+          </a:xfrm>
+          <a:prstGeom prst="rect">
+            <a:avLst/>
+          </a:prstGeom>
+        </p:spPr>
+      </p:pic>
+      <p:sp>
+        <p:nvSpPr>
+          <p:cNvPr id="3" name="TextBox 2"/>
+          <p:cNvSpPr txBox="1"/>
+          <p:nvPr/>
+        </p:nvSpPr>
+        <p:spPr>
+          <a:xfrm>
+            <a:off x="914400" y="2286000"/>
+            <a:ext cx="7315200" cy="1828800"/>
+          </a:xfrm>
+          <a:prstGeom prst="rect">
+            <a:avLst/>
+          </a:prstGeom>
+          <a:noFill/>
+        </p:spPr>
+        <p:txBody>
+          <a:bodyPr wrap="square">
+            <a:spAutoFit/>
+          </a:bodyPr>
+          <a:lstStyle/>
+          <a:p>
+            <a:pPr algn="ctr">
+              <a:defRPr sz="4800" b="1">
+                <a:solidFill>
+                  <a:srgbClr val="C9984A"/>
+                </a:solidFill>
+              </a:defRPr>
+            </a:pPr>
+            <a:r>
+              <a:t>Part B: Deployment (40 Marks)</a:t>
+            </a:r>
+          </a:p>
+        </p:txBody>
+      </p:sp>
+    </p:spTree>
+  </p:cSld>
+  <p:clrMapOvr>
+    <a:masterClrMapping/>
+  </p:clrMapOvr>
+</p:sld>
+</file>
+
+<file path=ppt/slides/slide7.xml><?xml version="1.0" encoding="utf-8"?>
 <p:sld xmlns:a="http://schemas.openxmlformats.org/drawingml/2006/main" xmlns:p="http://schemas.openxmlformats.org/presentationml/2006/main" xmlns:r="http://schemas.openxmlformats.org/officeDocument/2006/relationships">
   <p:cSld>
     <p:bg>
@@ -4227,91 +4493,6 @@
             <a:br/>
             <a:r>
               <a:t>                    Network, and Security Boundaries</a:t>
-            </a:r>
-          </a:p>
-        </p:txBody>
-      </p:sp>
-    </p:spTree>
-  </p:cSld>
-  <p:clrMapOvr>
-    <a:masterClrMapping/>
-  </p:clrMapOvr>
-</p:sld>
-</file>
-
-<file path=ppt/slides/slide7.xml><?xml version="1.0" encoding="utf-8"?>
-<p:sld xmlns:a="http://schemas.openxmlformats.org/drawingml/2006/main" xmlns:p="http://schemas.openxmlformats.org/presentationml/2006/main" xmlns:r="http://schemas.openxmlformats.org/officeDocument/2006/relationships">
-  <p:cSld>
-    <p:bg>
-      <p:bgPr>
-        <a:solidFill>
-          <a:srgbClr val="1E3A5F"/>
-        </a:solidFill>
-        <a:effectLst/>
-      </p:bgPr>
-    </p:bg>
-    <p:spTree>
-      <p:nvGrpSpPr>
-        <p:cNvPr id="1" name=""/>
-        <p:cNvGrpSpPr/>
-        <p:nvPr/>
-      </p:nvGrpSpPr>
-      <p:grpSpPr/>
-      <p:pic>
-        <p:nvPicPr>
-          <p:cNvPr id="2" name="Picture 1" descr="ops3_logo.png"/>
-          <p:cNvPicPr>
-            <a:picLocks noChangeAspect="1"/>
-          </p:cNvPicPr>
-          <p:nvPr/>
-        </p:nvPicPr>
-        <p:blipFill>
-          <a:blip r:embed="rId2"/>
-          <a:stretch>
-            <a:fillRect/>
-          </a:stretch>
-        </p:blipFill>
-        <p:spPr>
-          <a:xfrm>
-            <a:off x="274320" y="274320"/>
-            <a:ext cx="581649" cy="548640"/>
-          </a:xfrm>
-          <a:prstGeom prst="rect">
-            <a:avLst/>
-          </a:prstGeom>
-        </p:spPr>
-      </p:pic>
-      <p:sp>
-        <p:nvSpPr>
-          <p:cNvPr id="3" name="TextBox 2"/>
-          <p:cNvSpPr txBox="1"/>
-          <p:nvPr/>
-        </p:nvSpPr>
-        <p:spPr>
-          <a:xfrm>
-            <a:off x="914400" y="2286000"/>
-            <a:ext cx="7315200" cy="1828800"/>
-          </a:xfrm>
-          <a:prstGeom prst="rect">
-            <a:avLst/>
-          </a:prstGeom>
-          <a:noFill/>
-        </p:spPr>
-        <p:txBody>
-          <a:bodyPr wrap="square">
-            <a:spAutoFit/>
-          </a:bodyPr>
-          <a:lstStyle/>
-          <a:p>
-            <a:pPr algn="ctr">
-              <a:defRPr sz="4800" b="1">
-                <a:solidFill>
-                  <a:srgbClr val="C9984A"/>
-                </a:solidFill>
-              </a:defRPr>
-            </a:pPr>
-            <a:r>
-              <a:t>Part D: Bonus Challenge (10 Marks - Extra Credit)</a:t>
             </a:r>
           </a:p>
         </p:txBody>
@@ -4396,7 +4577,7 @@
               </a:defRPr>
             </a:pPr>
             <a:r>
-              <a:t>3. Submission Guidelines</a:t>
+              <a:t>Part D: Bonus Challenge (10 Marks - Extra Credit)</a:t>
             </a:r>
           </a:p>
         </p:txBody>
@@ -4481,7 +4662,7 @@
               </a:defRPr>
             </a:pPr>
             <a:r>
-              <a:t>4. Grading Rubric</a:t>
+              <a:t>3. Submission Guidelines</a:t>
             </a:r>
           </a:p>
         </p:txBody>
